--- a/VR_Development/gamedesign/190702 QuestList_PPT_SSM.pptx
+++ b/VR_Development/gamedesign/190702 QuestList_PPT_SSM.pptx
@@ -116,6 +116,11 @@
       </a:defRPr>
     </a:lvl9pPr>
   </p:defaultTextStyle>
+  <p:extLst>
+    <p:ext uri="{EFAFB233-063F-42B5-8137-9DF3F51BA10A}">
+      <p15:sldGuideLst xmlns:p15="http://schemas.microsoft.com/office/powerpoint/2012/main"/>
+    </p:ext>
+  </p:extLst>
 </p:presentation>
 </file>
 
@@ -274,7 +279,7 @@
           <a:p>
             <a:fld id="{1C1A737F-CBAE-42B0-80FD-F461B8DD7E4D}" type="datetimeFigureOut">
               <a:rPr lang="ko-KR" altLang="en-US" smtClean="0"/>
-              <a:t>2019-07-02</a:t>
+              <a:t>2019-07-03</a:t>
             </a:fld>
             <a:endParaRPr lang="ko-KR" altLang="en-US"/>
           </a:p>
@@ -472,7 +477,7 @@
           <a:p>
             <a:fld id="{1C1A737F-CBAE-42B0-80FD-F461B8DD7E4D}" type="datetimeFigureOut">
               <a:rPr lang="ko-KR" altLang="en-US" smtClean="0"/>
-              <a:t>2019-07-02</a:t>
+              <a:t>2019-07-03</a:t>
             </a:fld>
             <a:endParaRPr lang="ko-KR" altLang="en-US"/>
           </a:p>
@@ -680,7 +685,7 @@
           <a:p>
             <a:fld id="{1C1A737F-CBAE-42B0-80FD-F461B8DD7E4D}" type="datetimeFigureOut">
               <a:rPr lang="ko-KR" altLang="en-US" smtClean="0"/>
-              <a:t>2019-07-02</a:t>
+              <a:t>2019-07-03</a:t>
             </a:fld>
             <a:endParaRPr lang="ko-KR" altLang="en-US"/>
           </a:p>
@@ -878,7 +883,7 @@
           <a:p>
             <a:fld id="{1C1A737F-CBAE-42B0-80FD-F461B8DD7E4D}" type="datetimeFigureOut">
               <a:rPr lang="ko-KR" altLang="en-US" smtClean="0"/>
-              <a:t>2019-07-02</a:t>
+              <a:t>2019-07-03</a:t>
             </a:fld>
             <a:endParaRPr lang="ko-KR" altLang="en-US"/>
           </a:p>
@@ -1153,7 +1158,7 @@
           <a:p>
             <a:fld id="{1C1A737F-CBAE-42B0-80FD-F461B8DD7E4D}" type="datetimeFigureOut">
               <a:rPr lang="ko-KR" altLang="en-US" smtClean="0"/>
-              <a:t>2019-07-02</a:t>
+              <a:t>2019-07-03</a:t>
             </a:fld>
             <a:endParaRPr lang="ko-KR" altLang="en-US"/>
           </a:p>
@@ -1418,7 +1423,7 @@
           <a:p>
             <a:fld id="{1C1A737F-CBAE-42B0-80FD-F461B8DD7E4D}" type="datetimeFigureOut">
               <a:rPr lang="ko-KR" altLang="en-US" smtClean="0"/>
-              <a:t>2019-07-02</a:t>
+              <a:t>2019-07-03</a:t>
             </a:fld>
             <a:endParaRPr lang="ko-KR" altLang="en-US"/>
           </a:p>
@@ -1830,7 +1835,7 @@
           <a:p>
             <a:fld id="{1C1A737F-CBAE-42B0-80FD-F461B8DD7E4D}" type="datetimeFigureOut">
               <a:rPr lang="ko-KR" altLang="en-US" smtClean="0"/>
-              <a:t>2019-07-02</a:t>
+              <a:t>2019-07-03</a:t>
             </a:fld>
             <a:endParaRPr lang="ko-KR" altLang="en-US"/>
           </a:p>
@@ -1971,7 +1976,7 @@
           <a:p>
             <a:fld id="{1C1A737F-CBAE-42B0-80FD-F461B8DD7E4D}" type="datetimeFigureOut">
               <a:rPr lang="ko-KR" altLang="en-US" smtClean="0"/>
-              <a:t>2019-07-02</a:t>
+              <a:t>2019-07-03</a:t>
             </a:fld>
             <a:endParaRPr lang="ko-KR" altLang="en-US"/>
           </a:p>
@@ -2084,7 +2089,7 @@
           <a:p>
             <a:fld id="{1C1A737F-CBAE-42B0-80FD-F461B8DD7E4D}" type="datetimeFigureOut">
               <a:rPr lang="ko-KR" altLang="en-US" smtClean="0"/>
-              <a:t>2019-07-02</a:t>
+              <a:t>2019-07-03</a:t>
             </a:fld>
             <a:endParaRPr lang="ko-KR" altLang="en-US"/>
           </a:p>
@@ -2395,7 +2400,7 @@
           <a:p>
             <a:fld id="{1C1A737F-CBAE-42B0-80FD-F461B8DD7E4D}" type="datetimeFigureOut">
               <a:rPr lang="ko-KR" altLang="en-US" smtClean="0"/>
-              <a:t>2019-07-02</a:t>
+              <a:t>2019-07-03</a:t>
             </a:fld>
             <a:endParaRPr lang="ko-KR" altLang="en-US"/>
           </a:p>
@@ -2683,7 +2688,7 @@
           <a:p>
             <a:fld id="{1C1A737F-CBAE-42B0-80FD-F461B8DD7E4D}" type="datetimeFigureOut">
               <a:rPr lang="ko-KR" altLang="en-US" smtClean="0"/>
-              <a:t>2019-07-02</a:t>
+              <a:t>2019-07-03</a:t>
             </a:fld>
             <a:endParaRPr lang="ko-KR" altLang="en-US"/>
           </a:p>
@@ -2924,7 +2929,7 @@
           <a:p>
             <a:fld id="{1C1A737F-CBAE-42B0-80FD-F461B8DD7E4D}" type="datetimeFigureOut">
               <a:rPr lang="ko-KR" altLang="en-US" smtClean="0"/>
-              <a:t>2019-07-02</a:t>
+              <a:t>2019-07-03</a:t>
             </a:fld>
             <a:endParaRPr lang="ko-KR" altLang="en-US"/>
           </a:p>
@@ -4520,7 +4525,7 @@
             </a:pPr>
             <a:r>
               <a:rPr lang="en-US" altLang="ko-KR" sz="2400" dirty="0"/>
-              <a:t> 3. </a:t>
+              <a:t> </a:t>
             </a:r>
           </a:p>
         </p:txBody>
